--- a/src/docs/Demo.pptx
+++ b/src/docs/Demo.pptx
@@ -3668,7 +3668,7 @@
               <a:t>dimension</a:t>
             </a:r>
             <a:r>
-              <a:rPr lang="de-DE"/>
+              <a:rPr lang="de-DE" dirty="0"/>
               <a:t>!</a:t>
             </a:r>
           </a:p>
@@ -3915,6 +3915,477 @@
             </a:r>
           </a:p>
           <a:p>
+            <a:endParaRPr lang="de-DE" dirty="0"/>
+          </a:p>
+          <a:p>
+            <a:r>
+              <a:rPr lang="de-DE" dirty="0"/>
+              <a:t>NOTE: ein Hinweis</a:t>
+            </a:r>
+          </a:p>
+          <a:p>
+            <a:endParaRPr lang="de-DE" dirty="0"/>
+          </a:p>
+          <a:p>
+            <a:r>
+              <a:rPr lang="de-DE" dirty="0"/>
+              <a:t>TIP: so macht man das!</a:t>
+            </a:r>
+          </a:p>
+          <a:p>
+            <a:endParaRPr lang="de-DE" dirty="0"/>
+          </a:p>
+          <a:p>
+            <a:r>
+              <a:rPr lang="de-DE" dirty="0"/>
+              <a:t>== a Slide </a:t>
+            </a:r>
+            <a:r>
+              <a:rPr lang="de-DE" dirty="0" err="1"/>
+              <a:t>without</a:t>
+            </a:r>
+            <a:r>
+              <a:rPr lang="de-DE" dirty="0"/>
+              <a:t> </a:t>
+            </a:r>
+            <a:r>
+              <a:rPr lang="de-DE" dirty="0" err="1"/>
+              <a:t>pptx-slide</a:t>
+            </a:r>
+            <a:endParaRPr lang="de-DE" dirty="0"/>
+          </a:p>
+          <a:p>
+            <a:endParaRPr lang="de-DE" dirty="0"/>
+          </a:p>
+          <a:p>
+            <a:r>
+              <a:rPr lang="en-US" dirty="0"/>
+              <a:t>[</a:t>
+            </a:r>
+            <a:r>
+              <a:rPr lang="en-US" dirty="0" err="1"/>
+              <a:t>NOTE.speaker</a:t>
+            </a:r>
+            <a:r>
+              <a:rPr lang="en-US" dirty="0"/>
+              <a:t>]</a:t>
+            </a:r>
+          </a:p>
+          <a:p>
+            <a:r>
+              <a:rPr lang="en-US" dirty="0"/>
+              <a:t>--</a:t>
+            </a:r>
+          </a:p>
+          <a:p>
+            <a:r>
+              <a:rPr lang="en-US" dirty="0"/>
+              <a:t>Actually things aren't that bad</a:t>
+            </a:r>
+          </a:p>
+          <a:p>
+            <a:r>
+              <a:rPr lang="en-US" dirty="0"/>
+              <a:t>--</a:t>
+            </a:r>
+          </a:p>
+          <a:p>
+            <a:endParaRPr lang="en-US" dirty="0"/>
+          </a:p>
+          <a:p>
+            <a:r>
+              <a:rPr lang="en-US" dirty="0"/>
+              <a:t>=== Ein Code-</a:t>
+            </a:r>
+            <a:r>
+              <a:rPr lang="en-US" dirty="0" err="1"/>
+              <a:t>Beispiel</a:t>
+            </a:r>
+            <a:endParaRPr lang="en-US" dirty="0"/>
+          </a:p>
+          <a:p>
+            <a:endParaRPr lang="en-US" dirty="0"/>
+          </a:p>
+          <a:p>
+            <a:r>
+              <a:rPr lang="en-US" dirty="0"/>
+              <a:t>[</a:t>
+            </a:r>
+            <a:r>
+              <a:rPr lang="en-US" dirty="0" err="1"/>
+              <a:t>source,groovy</a:t>
+            </a:r>
+            <a:r>
+              <a:rPr lang="en-US" dirty="0"/>
+              <a:t>]</a:t>
+            </a:r>
+            <a:br>
+              <a:rPr lang="en-US" dirty="0"/>
+            </a:br>
+            <a:r>
+              <a:rPr lang="en-US" dirty="0"/>
+              <a:t>----</a:t>
+            </a:r>
+            <a:br>
+              <a:rPr lang="en-US" dirty="0"/>
+            </a:br>
+            <a:r>
+              <a:rPr lang="en-US" dirty="0"/>
+              <a:t>// this is a test how longer </a:t>
+            </a:r>
+          </a:p>
+          <a:p>
+            <a:r>
+              <a:rPr lang="en-US" dirty="0"/>
+              <a:t>// code fragments</a:t>
+            </a:r>
+          </a:p>
+          <a:p>
+            <a:r>
+              <a:rPr lang="en-US" dirty="0"/>
+              <a:t>// are rendered</a:t>
+            </a:r>
+          </a:p>
+          <a:p>
+            <a:endParaRPr lang="en-US" dirty="0"/>
+          </a:p>
+          <a:p>
+            <a:r>
+              <a:rPr lang="en-US" dirty="0"/>
+              <a:t>10.times { </a:t>
+            </a:r>
+            <a:r>
+              <a:rPr lang="en-US" dirty="0" err="1"/>
+              <a:t>num</a:t>
+            </a:r>
+            <a:r>
+              <a:rPr lang="en-US" dirty="0"/>
+              <a:t> -&gt; </a:t>
+            </a:r>
+          </a:p>
+          <a:p>
+            <a:r>
+              <a:rPr lang="en-US" dirty="0"/>
+              <a:t>    </a:t>
+            </a:r>
+            <a:r>
+              <a:rPr lang="en-US" dirty="0" err="1"/>
+              <a:t>println</a:t>
+            </a:r>
+            <a:r>
+              <a:rPr lang="en-US" dirty="0"/>
+              <a:t> “${</a:t>
+            </a:r>
+            <a:r>
+              <a:rPr lang="en-US" dirty="0" err="1"/>
+              <a:t>num</a:t>
+            </a:r>
+            <a:r>
+              <a:rPr lang="en-US" dirty="0"/>
+              <a:t>}: hello world\n“</a:t>
+            </a:r>
+          </a:p>
+          <a:p>
+            <a:r>
+              <a:rPr lang="en-US" dirty="0"/>
+              <a:t>}</a:t>
+            </a:r>
+          </a:p>
+          <a:p>
+            <a:endParaRPr lang="en-US" dirty="0"/>
+          </a:p>
+          <a:p>
+            <a:r>
+              <a:rPr lang="en-US" dirty="0"/>
+              <a:t>//so, it seems</a:t>
+            </a:r>
+          </a:p>
+          <a:p>
+            <a:endParaRPr lang="en-US" dirty="0"/>
+          </a:p>
+          <a:p>
+            <a:r>
+              <a:rPr lang="en-US" dirty="0"/>
+              <a:t>//that when</a:t>
+            </a:r>
+          </a:p>
+          <a:p>
+            <a:endParaRPr lang="en-US" dirty="0"/>
+          </a:p>
+          <a:p>
+            <a:r>
+              <a:rPr lang="en-US" dirty="0"/>
+              <a:t>//the code gets</a:t>
+            </a:r>
+          </a:p>
+          <a:p>
+            <a:endParaRPr lang="en-US" dirty="0"/>
+          </a:p>
+          <a:p>
+            <a:r>
+              <a:rPr lang="en-US" dirty="0"/>
+              <a:t>//too long</a:t>
+            </a:r>
+          </a:p>
+          <a:p>
+            <a:endParaRPr lang="en-US" dirty="0"/>
+          </a:p>
+          <a:p>
+            <a:r>
+              <a:rPr lang="en-US" dirty="0"/>
+              <a:t>//it is displayed with</a:t>
+            </a:r>
+          </a:p>
+          <a:p>
+            <a:endParaRPr lang="en-US" dirty="0"/>
+          </a:p>
+          <a:p>
+            <a:r>
+              <a:rPr lang="en-US" dirty="0"/>
+              <a:t>//a scrollbar</a:t>
+            </a:r>
+          </a:p>
+          <a:p>
+            <a:endParaRPr lang="en-US" dirty="0"/>
+          </a:p>
+          <a:p>
+            <a:r>
+              <a:rPr lang="en-US" dirty="0"/>
+              <a:t>// the end</a:t>
+            </a:r>
+            <a:br>
+              <a:rPr lang="en-US" dirty="0"/>
+            </a:br>
+            <a:r>
+              <a:rPr lang="en-US" dirty="0"/>
+              <a:t>----</a:t>
+            </a:r>
+          </a:p>
+          <a:p>
+            <a:endParaRPr lang="en-US" dirty="0"/>
+          </a:p>
+          <a:p>
+            <a:r>
+              <a:rPr lang="en-US" dirty="0"/>
+              <a:t>=== What I like about </a:t>
+            </a:r>
+            <a:r>
+              <a:rPr lang="en-US" dirty="0" err="1"/>
+              <a:t>AsciiDoc</a:t>
+            </a:r>
+            <a:endParaRPr lang="en-US" dirty="0"/>
+          </a:p>
+          <a:p>
+            <a:endParaRPr lang="en-US" dirty="0"/>
+          </a:p>
+          <a:p>
+            <a:r>
+              <a:rPr lang="en-US" dirty="0"/>
+              <a:t>[%step]</a:t>
+            </a:r>
+          </a:p>
+          <a:p>
+            <a:pPr marL="0" indent="0">
+              <a:buFont typeface="Arial" panose="020B0604020202020204" pitchFamily="34" charset="0"/>
+              <a:buNone/>
+            </a:pPr>
+            <a:r>
+              <a:rPr lang="en-US" dirty="0"/>
+              <a:t>* Includes</a:t>
+            </a:r>
+          </a:p>
+          <a:p>
+            <a:pPr marL="0" indent="0">
+              <a:buFont typeface="Arial" panose="020B0604020202020204" pitchFamily="34" charset="0"/>
+              <a:buNone/>
+            </a:pPr>
+            <a:r>
+              <a:rPr lang="en-US" dirty="0"/>
+              <a:t>* Admonitions</a:t>
+            </a:r>
+          </a:p>
+          <a:p>
+            <a:pPr marL="0" indent="0">
+              <a:buFont typeface="Arial" panose="020B0604020202020204" pitchFamily="34" charset="0"/>
+              <a:buNone/>
+            </a:pPr>
+            <a:r>
+              <a:rPr lang="en-US" dirty="0"/>
+              <a:t>* Bullet-Lists</a:t>
+            </a:r>
+          </a:p>
+          <a:p>
+            <a:pPr marL="0" indent="0">
+              <a:buFont typeface="Arial" panose="020B0604020202020204" pitchFamily="34" charset="0"/>
+              <a:buNone/>
+            </a:pPr>
+            <a:r>
+              <a:rPr lang="en-US" dirty="0"/>
+              <a:t>* What</a:t>
+            </a:r>
+          </a:p>
+          <a:p>
+            <a:pPr marL="0" indent="0">
+              <a:buFont typeface="Arial" panose="020B0604020202020204" pitchFamily="34" charset="0"/>
+              <a:buNone/>
+            </a:pPr>
+            <a:r>
+              <a:rPr lang="en-US" dirty="0"/>
+              <a:t>* Happens</a:t>
+            </a:r>
+          </a:p>
+          <a:p>
+            <a:pPr marL="0" indent="0">
+              <a:buFont typeface="Arial" panose="020B0604020202020204" pitchFamily="34" charset="0"/>
+              <a:buNone/>
+            </a:pPr>
+            <a:r>
+              <a:rPr lang="en-US" dirty="0"/>
+              <a:t>* When</a:t>
+            </a:r>
+          </a:p>
+          <a:p>
+            <a:pPr marL="0" indent="0">
+              <a:buFont typeface="Arial" panose="020B0604020202020204" pitchFamily="34" charset="0"/>
+              <a:buNone/>
+            </a:pPr>
+            <a:r>
+              <a:rPr lang="en-US" dirty="0"/>
+              <a:t>* This List</a:t>
+            </a:r>
+          </a:p>
+          <a:p>
+            <a:pPr marL="0" indent="0">
+              <a:buFont typeface="Arial" panose="020B0604020202020204" pitchFamily="34" charset="0"/>
+              <a:buNone/>
+            </a:pPr>
+            <a:r>
+              <a:rPr lang="en-US" dirty="0"/>
+              <a:t>* Gets bigger</a:t>
+            </a:r>
+          </a:p>
+          <a:p>
+            <a:pPr marL="0" indent="0">
+              <a:buFont typeface="Arial" panose="020B0604020202020204" pitchFamily="34" charset="0"/>
+              <a:buNone/>
+            </a:pPr>
+            <a:r>
+              <a:rPr lang="en-US" dirty="0"/>
+              <a:t>* Than</a:t>
+            </a:r>
+          </a:p>
+          <a:p>
+            <a:pPr marL="0" indent="0">
+              <a:buFont typeface="Arial" panose="020B0604020202020204" pitchFamily="34" charset="0"/>
+              <a:buNone/>
+            </a:pPr>
+            <a:r>
+              <a:rPr lang="en-US" dirty="0"/>
+              <a:t>* The screen?</a:t>
+            </a:r>
+          </a:p>
+          <a:p>
+            <a:pPr marL="171450" indent="-171450">
+              <a:buFont typeface="Arial" panose="020B0604020202020204" pitchFamily="34" charset="0"/>
+              <a:buChar char="•"/>
+            </a:pPr>
+            <a:endParaRPr lang="en-US" dirty="0"/>
+          </a:p>
+          <a:p>
+            <a:pPr marL="171450" indent="-171450">
+              <a:buFont typeface="Arial" panose="020B0604020202020204" pitchFamily="34" charset="0"/>
+              <a:buChar char="•"/>
+            </a:pPr>
+            <a:r>
+              <a:rPr lang="en-US" dirty="0"/>
+              <a:t>Test</a:t>
+            </a:r>
+          </a:p>
+          <a:p>
+            <a:pPr marL="171450" indent="-171450">
+              <a:buFont typeface="Arial" panose="020B0604020202020204" pitchFamily="34" charset="0"/>
+              <a:buChar char="•"/>
+            </a:pPr>
+            <a:r>
+              <a:rPr lang="en-US" dirty="0"/>
+              <a:t>test2</a:t>
+            </a:r>
+          </a:p>
+          <a:p>
+            <a:pPr marL="0" indent="0">
+              <a:buFont typeface="Arial" panose="020B0604020202020204" pitchFamily="34" charset="0"/>
+              <a:buNone/>
+            </a:pPr>
+            <a:endParaRPr lang="en-US" dirty="0"/>
+          </a:p>
+          <a:p>
+            <a:pPr marL="0" indent="0">
+              <a:buFont typeface="Arial" panose="020B0604020202020204" pitchFamily="34" charset="0"/>
+              <a:buNone/>
+            </a:pPr>
+            <a:r>
+              <a:rPr lang="en-US" dirty="0"/>
+              <a:t>== The End</a:t>
+            </a:r>
+          </a:p>
+          <a:p>
+            <a:pPr marL="0" indent="0">
+              <a:buFont typeface="Arial" panose="020B0604020202020204" pitchFamily="34" charset="0"/>
+              <a:buNone/>
+            </a:pPr>
+            <a:endParaRPr lang="en-US" dirty="0"/>
+          </a:p>
+          <a:p>
+            <a:pPr marL="0" indent="0">
+              <a:buFont typeface="Arial" panose="020B0604020202020204" pitchFamily="34" charset="0"/>
+              <a:buNone/>
+            </a:pPr>
+            <a:r>
+              <a:rPr lang="en-US" err="1"/>
+              <a:t>icon</a:t>
+            </a:r>
+            <a:r>
+              <a:rPr lang="en-US"/>
+              <a:t>:envelope[] </a:t>
+            </a:r>
+            <a:r>
+              <a:rPr lang="en-US" dirty="0"/>
+              <a:t>mailto:Ralf.D.Mueller@gmail.com?subject=docToolchain[Ralf.d.mueller@gmail.com] +</a:t>
+            </a:r>
+          </a:p>
+          <a:p>
+            <a:pPr marL="0" indent="0">
+              <a:buFont typeface="Arial" panose="020B0604020202020204" pitchFamily="34" charset="0"/>
+              <a:buNone/>
+            </a:pPr>
+            <a:r>
+              <a:rPr lang="en-US" dirty="0" err="1"/>
+              <a:t>icon:twitter</a:t>
+            </a:r>
+            <a:r>
+              <a:rPr lang="en-US" dirty="0"/>
+              <a:t>[] https://twitter.com/docToolchain[docToolchain] +</a:t>
+            </a:r>
+          </a:p>
+          <a:p>
+            <a:pPr marL="0" indent="0">
+              <a:buFont typeface="Arial" panose="020B0604020202020204" pitchFamily="34" charset="0"/>
+              <a:buNone/>
+            </a:pPr>
+            <a:r>
+              <a:rPr lang="en-US" dirty="0" err="1"/>
+              <a:t>icon:github</a:t>
+            </a:r>
+            <a:r>
+              <a:rPr lang="en-US" dirty="0"/>
+              <a:t>[] https://github.com/rdmueller/docToolchain</a:t>
+            </a:r>
+          </a:p>
+          <a:p>
+            <a:pPr marL="0" indent="0">
+              <a:buFont typeface="Arial" panose="020B0604020202020204" pitchFamily="34" charset="0"/>
+              <a:buNone/>
+            </a:pPr>
             <a:endParaRPr lang="de-DE" dirty="0"/>
           </a:p>
         </p:txBody>

--- a/src/docs/Demo.pptx
+++ b/src/docs/Demo.pptx
@@ -3176,7 +3176,7 @@
           <a:p>
             <a:fld id="{FA187C5E-F863-413E-862F-BC8733C9F1D4}" type="datetimeFigureOut">
               <a:rPr lang="de-DE" smtClean="0"/>
-              <a:t>02.09.2017</a:t>
+              <a:t>03.09.2017</a:t>
             </a:fld>
             <a:endParaRPr lang="de-DE"/>
           </a:p>
@@ -3532,6 +3532,25 @@
             </a:r>
           </a:p>
           <a:p>
+            <a:r>
+              <a:rPr lang="de-DE" dirty="0" err="1"/>
+              <a:t>include</a:t>
+            </a:r>
+            <a:r>
+              <a:rPr lang="de-DE"/>
+              <a:t>::../customKeymap</a:t>
+            </a:r>
+            <a:r>
+              <a:rPr lang="de-DE" dirty="0" err="1"/>
+              <a:t>.adoc</a:t>
+            </a:r>
+            <a:r>
+              <a:rPr lang="de-DE" dirty="0"/>
+              <a:t>[]</a:t>
+            </a:r>
+            <a:br>
+              <a:rPr lang="de-DE" dirty="0"/>
+            </a:br>
             <a:r>
               <a:rPr lang="de-DE" dirty="0"/>
               <a:t>[%</a:t>
@@ -5148,7 +5167,7 @@
           <a:p>
             <a:fld id="{649F32A6-21C7-473E-9542-64E26113B463}" type="datetimeFigureOut">
               <a:rPr lang="de-DE" smtClean="0"/>
-              <a:t>02.09.2017</a:t>
+              <a:t>03.09.2017</a:t>
             </a:fld>
             <a:endParaRPr lang="de-DE"/>
           </a:p>
@@ -5399,7 +5418,7 @@
           <a:p>
             <a:fld id="{649F32A6-21C7-473E-9542-64E26113B463}" type="datetimeFigureOut">
               <a:rPr lang="de-DE" smtClean="0"/>
-              <a:t>02.09.2017</a:t>
+              <a:t>03.09.2017</a:t>
             </a:fld>
             <a:endParaRPr lang="de-DE"/>
           </a:p>
@@ -5713,7 +5732,7 @@
           <a:p>
             <a:fld id="{649F32A6-21C7-473E-9542-64E26113B463}" type="datetimeFigureOut">
               <a:rPr lang="de-DE" smtClean="0"/>
-              <a:t>02.09.2017</a:t>
+              <a:t>03.09.2017</a:t>
             </a:fld>
             <a:endParaRPr lang="de-DE"/>
           </a:p>
@@ -6054,7 +6073,7 @@
           <a:p>
             <a:fld id="{649F32A6-21C7-473E-9542-64E26113B463}" type="datetimeFigureOut">
               <a:rPr lang="de-DE" smtClean="0"/>
-              <a:t>02.09.2017</a:t>
+              <a:t>03.09.2017</a:t>
             </a:fld>
             <a:endParaRPr lang="de-DE"/>
           </a:p>
@@ -6368,7 +6387,7 @@
           <a:p>
             <a:fld id="{649F32A6-21C7-473E-9542-64E26113B463}" type="datetimeFigureOut">
               <a:rPr lang="de-DE" smtClean="0"/>
-              <a:t>02.09.2017</a:t>
+              <a:t>03.09.2017</a:t>
             </a:fld>
             <a:endParaRPr lang="de-DE"/>
           </a:p>
@@ -6761,7 +6780,7 @@
           <a:p>
             <a:fld id="{649F32A6-21C7-473E-9542-64E26113B463}" type="datetimeFigureOut">
               <a:rPr lang="de-DE" smtClean="0"/>
-              <a:t>02.09.2017</a:t>
+              <a:t>03.09.2017</a:t>
             </a:fld>
             <a:endParaRPr lang="de-DE"/>
           </a:p>
@@ -6931,7 +6950,7 @@
           <a:p>
             <a:fld id="{649F32A6-21C7-473E-9542-64E26113B463}" type="datetimeFigureOut">
               <a:rPr lang="de-DE" smtClean="0"/>
-              <a:t>02.09.2017</a:t>
+              <a:t>03.09.2017</a:t>
             </a:fld>
             <a:endParaRPr lang="de-DE"/>
           </a:p>
@@ -7111,7 +7130,7 @@
           <a:p>
             <a:fld id="{649F32A6-21C7-473E-9542-64E26113B463}" type="datetimeFigureOut">
               <a:rPr lang="de-DE" smtClean="0"/>
-              <a:t>02.09.2017</a:t>
+              <a:t>03.09.2017</a:t>
             </a:fld>
             <a:endParaRPr lang="de-DE"/>
           </a:p>
@@ -7287,7 +7306,7 @@
           <a:p>
             <a:fld id="{649F32A6-21C7-473E-9542-64E26113B463}" type="datetimeFigureOut">
               <a:rPr lang="de-DE" smtClean="0"/>
-              <a:t>02.09.2017</a:t>
+              <a:t>03.09.2017</a:t>
             </a:fld>
             <a:endParaRPr lang="de-DE"/>
           </a:p>
@@ -7534,7 +7553,7 @@
           <a:p>
             <a:fld id="{649F32A6-21C7-473E-9542-64E26113B463}" type="datetimeFigureOut">
               <a:rPr lang="de-DE" smtClean="0"/>
-              <a:t>02.09.2017</a:t>
+              <a:t>03.09.2017</a:t>
             </a:fld>
             <a:endParaRPr lang="de-DE"/>
           </a:p>
@@ -7766,7 +7785,7 @@
           <a:p>
             <a:fld id="{649F32A6-21C7-473E-9542-64E26113B463}" type="datetimeFigureOut">
               <a:rPr lang="de-DE" smtClean="0"/>
-              <a:t>02.09.2017</a:t>
+              <a:t>03.09.2017</a:t>
             </a:fld>
             <a:endParaRPr lang="de-DE"/>
           </a:p>
@@ -8140,7 +8159,7 @@
           <a:p>
             <a:fld id="{649F32A6-21C7-473E-9542-64E26113B463}" type="datetimeFigureOut">
               <a:rPr lang="de-DE" smtClean="0"/>
-              <a:t>02.09.2017</a:t>
+              <a:t>03.09.2017</a:t>
             </a:fld>
             <a:endParaRPr lang="de-DE"/>
           </a:p>
@@ -8263,7 +8282,7 @@
           <a:p>
             <a:fld id="{649F32A6-21C7-473E-9542-64E26113B463}" type="datetimeFigureOut">
               <a:rPr lang="de-DE" smtClean="0"/>
-              <a:t>02.09.2017</a:t>
+              <a:t>03.09.2017</a:t>
             </a:fld>
             <a:endParaRPr lang="de-DE"/>
           </a:p>
@@ -8358,7 +8377,7 @@
           <a:p>
             <a:fld id="{649F32A6-21C7-473E-9542-64E26113B463}" type="datetimeFigureOut">
               <a:rPr lang="de-DE" smtClean="0"/>
-              <a:t>02.09.2017</a:t>
+              <a:t>03.09.2017</a:t>
             </a:fld>
             <a:endParaRPr lang="de-DE"/>
           </a:p>
@@ -8613,7 +8632,7 @@
           <a:p>
             <a:fld id="{649F32A6-21C7-473E-9542-64E26113B463}" type="datetimeFigureOut">
               <a:rPr lang="de-DE" smtClean="0"/>
-              <a:t>02.09.2017</a:t>
+              <a:t>03.09.2017</a:t>
             </a:fld>
             <a:endParaRPr lang="de-DE"/>
           </a:p>
@@ -8876,7 +8895,7 @@
           <a:p>
             <a:fld id="{649F32A6-21C7-473E-9542-64E26113B463}" type="datetimeFigureOut">
               <a:rPr lang="de-DE" smtClean="0"/>
-              <a:t>02.09.2017</a:t>
+              <a:t>03.09.2017</a:t>
             </a:fld>
             <a:endParaRPr lang="de-DE"/>
           </a:p>
@@ -9619,7 +9638,7 @@
           <a:p>
             <a:fld id="{649F32A6-21C7-473E-9542-64E26113B463}" type="datetimeFigureOut">
               <a:rPr lang="de-DE" smtClean="0"/>
-              <a:t>02.09.2017</a:t>
+              <a:t>03.09.2017</a:t>
             </a:fld>
             <a:endParaRPr lang="de-DE"/>
           </a:p>
